--- a/Stonks.pptx
+++ b/Stonks.pptx
@@ -8366,8 +8366,8 @@
         </p:nvSpPr>
         <p:spPr>
           <a:xfrm>
-            <a:off x="9799332" y="1332005"/>
-            <a:ext cx="5821680" cy="8303259"/>
+            <a:off x="9829812" y="1849530"/>
+            <a:ext cx="5821680" cy="7650480"/>
           </a:xfrm>
           <a:prstGeom prst="rect">
             <a:avLst/>
@@ -8410,343 +8410,45 @@
               </a:rPr>
               <a:t>Regression</a:t>
             </a:r>
-            <a:endParaRPr sz="4150">
+            <a:endParaRPr sz="4150" spc="-210" dirty="0">
+              <a:solidFill>
+                <a:srgbClr val="09417D"/>
+              </a:solidFill>
               <a:latin typeface="Verdana" panose="020B0604030504040204"/>
               <a:cs typeface="Verdana" panose="020B0604030504040204"/>
             </a:endParaRPr>
           </a:p>
           <a:p>
-            <a:pPr marL="12700" marR="223520">
-              <a:lnSpc>
-                <a:spcPct val="127000"/>
-              </a:lnSpc>
-              <a:spcBef>
-                <a:spcPts val="640"/>
-              </a:spcBef>
-            </a:pPr>
-            <a:r>
-              <a:rPr sz="2400" spc="125" dirty="0">
-                <a:solidFill>
-                  <a:srgbClr val="FFFFFF"/>
-                </a:solidFill>
-                <a:latin typeface="Gill Sans MT"/>
-                <a:cs typeface="Gill Sans MT"/>
-              </a:rPr>
-              <a:t>Gi</a:t>
-            </a:r>
-            <a:r>
-              <a:rPr sz="2350" spc="125" dirty="0">
-                <a:solidFill>
-                  <a:srgbClr val="FFFFFF"/>
-                </a:solidFill>
-                <a:latin typeface="Calibri" panose="020F0502020204030204"/>
-                <a:cs typeface="Calibri" panose="020F0502020204030204"/>
-              </a:rPr>
-              <a:t>v</a:t>
-            </a:r>
-            <a:r>
-              <a:rPr sz="2400" spc="125" dirty="0">
-                <a:solidFill>
-                  <a:srgbClr val="FFFFFF"/>
-                </a:solidFill>
-                <a:latin typeface="Gill Sans MT"/>
-                <a:cs typeface="Gill Sans MT"/>
-              </a:rPr>
-              <a:t>e </a:t>
-            </a:r>
-            <a:r>
-              <a:rPr sz="2400" spc="270" dirty="0">
-                <a:solidFill>
-                  <a:srgbClr val="FFFFFF"/>
-                </a:solidFill>
-                <a:latin typeface="Gill Sans MT"/>
-                <a:cs typeface="Gill Sans MT"/>
-              </a:rPr>
-              <a:t>a</a:t>
-            </a:r>
-            <a:r>
-              <a:rPr sz="2400" spc="-405" dirty="0">
-                <a:solidFill>
-                  <a:srgbClr val="FFFFFF"/>
-                </a:solidFill>
-                <a:latin typeface="Gill Sans MT"/>
-                <a:cs typeface="Gill Sans MT"/>
-              </a:rPr>
-              <a:t> </a:t>
-            </a:r>
-            <a:r>
-              <a:rPr sz="2350" spc="150" dirty="0">
-                <a:solidFill>
-                  <a:srgbClr val="FFFFFF"/>
-                </a:solidFill>
-                <a:latin typeface="Calibri" panose="020F0502020204030204"/>
-                <a:cs typeface="Calibri" panose="020F0502020204030204"/>
-              </a:rPr>
-              <a:t>str</a:t>
-            </a:r>
-            <a:r>
-              <a:rPr sz="2400" spc="150" dirty="0">
-                <a:solidFill>
-                  <a:srgbClr val="FFFFFF"/>
-                </a:solidFill>
-                <a:latin typeface="Gill Sans MT"/>
-                <a:cs typeface="Gill Sans MT"/>
-              </a:rPr>
-              <a:t>iking </a:t>
-            </a:r>
-            <a:r>
-              <a:rPr sz="2400" spc="130" dirty="0">
-                <a:solidFill>
-                  <a:srgbClr val="FFFFFF"/>
-                </a:solidFill>
-                <a:latin typeface="Gill Sans MT"/>
-                <a:cs typeface="Gill Sans MT"/>
-              </a:rPr>
-              <a:t>o</a:t>
-            </a:r>
-            <a:r>
-              <a:rPr sz="2350" spc="130" dirty="0">
-                <a:solidFill>
-                  <a:srgbClr val="FFFFFF"/>
-                </a:solidFill>
-                <a:latin typeface="Calibri" panose="020F0502020204030204"/>
-                <a:cs typeface="Calibri" panose="020F0502020204030204"/>
-              </a:rPr>
-              <a:t>v</a:t>
-            </a:r>
-            <a:r>
-              <a:rPr sz="2400" spc="130" dirty="0">
-                <a:solidFill>
-                  <a:srgbClr val="FFFFFF"/>
-                </a:solidFill>
-                <a:latin typeface="Gill Sans MT"/>
-                <a:cs typeface="Gill Sans MT"/>
-              </a:rPr>
-              <a:t>e</a:t>
-            </a:r>
-            <a:r>
-              <a:rPr sz="2350" spc="130" dirty="0">
-                <a:solidFill>
-                  <a:srgbClr val="FFFFFF"/>
-                </a:solidFill>
-                <a:latin typeface="Calibri" panose="020F0502020204030204"/>
-                <a:cs typeface="Calibri" panose="020F0502020204030204"/>
-              </a:rPr>
-              <a:t>rv</a:t>
-            </a:r>
-            <a:r>
-              <a:rPr sz="2400" spc="130" dirty="0">
-                <a:solidFill>
-                  <a:srgbClr val="FFFFFF"/>
-                </a:solidFill>
-                <a:latin typeface="Gill Sans MT"/>
-                <a:cs typeface="Gill Sans MT"/>
-              </a:rPr>
-              <a:t>ie</a:t>
-            </a:r>
-            <a:r>
-              <a:rPr sz="2350" spc="130" dirty="0">
-                <a:solidFill>
-                  <a:srgbClr val="FFFFFF"/>
-                </a:solidFill>
-                <a:latin typeface="Calibri" panose="020F0502020204030204"/>
-                <a:cs typeface="Calibri" panose="020F0502020204030204"/>
-              </a:rPr>
-              <a:t>w </a:t>
-            </a:r>
-            <a:r>
-              <a:rPr sz="2400" spc="180" dirty="0">
-                <a:solidFill>
-                  <a:srgbClr val="FFFFFF"/>
-                </a:solidFill>
-                <a:latin typeface="Gill Sans MT"/>
-                <a:cs typeface="Gill Sans MT"/>
-              </a:rPr>
-              <a:t>of </a:t>
-            </a:r>
-            <a:r>
-              <a:rPr sz="2350" spc="140" dirty="0">
-                <a:solidFill>
-                  <a:srgbClr val="FFFFFF"/>
-                </a:solidFill>
-                <a:latin typeface="Calibri" panose="020F0502020204030204"/>
-                <a:cs typeface="Calibri" panose="020F0502020204030204"/>
-              </a:rPr>
-              <a:t>t</a:t>
-            </a:r>
-            <a:r>
-              <a:rPr sz="2400" spc="140" dirty="0">
-                <a:solidFill>
-                  <a:srgbClr val="FFFFFF"/>
-                </a:solidFill>
-                <a:latin typeface="Gill Sans MT"/>
-                <a:cs typeface="Gill Sans MT"/>
-              </a:rPr>
-              <a:t>he </a:t>
-            </a:r>
-            <a:r>
-              <a:rPr sz="2400" spc="185" dirty="0">
-                <a:solidFill>
-                  <a:srgbClr val="FFFFFF"/>
-                </a:solidFill>
-                <a:latin typeface="Gill Sans MT"/>
-                <a:cs typeface="Gill Sans MT"/>
-              </a:rPr>
-              <a:t>p</a:t>
-            </a:r>
-            <a:r>
-              <a:rPr sz="2350" spc="185" dirty="0">
-                <a:solidFill>
-                  <a:srgbClr val="FFFFFF"/>
-                </a:solidFill>
-                <a:latin typeface="Calibri" panose="020F0502020204030204"/>
-                <a:cs typeface="Calibri" panose="020F0502020204030204"/>
-              </a:rPr>
-              <a:t>r</a:t>
-            </a:r>
-            <a:r>
-              <a:rPr sz="2400" spc="185" dirty="0">
-                <a:solidFill>
-                  <a:srgbClr val="FFFFFF"/>
-                </a:solidFill>
-                <a:latin typeface="Gill Sans MT"/>
-                <a:cs typeface="Gill Sans MT"/>
-              </a:rPr>
-              <a:t>oblem  </a:t>
-            </a:r>
-            <a:r>
-              <a:rPr sz="2400" spc="225" dirty="0">
-                <a:solidFill>
-                  <a:srgbClr val="FFFFFF"/>
-                </a:solidFill>
-                <a:latin typeface="Gill Sans MT"/>
-                <a:cs typeface="Gill Sans MT"/>
-              </a:rPr>
-              <a:t>and </a:t>
-            </a:r>
-            <a:r>
-              <a:rPr sz="2400" spc="165" dirty="0">
-                <a:solidFill>
-                  <a:srgbClr val="FFFFFF"/>
-                </a:solidFill>
-                <a:latin typeface="Gill Sans MT"/>
-                <a:cs typeface="Gill Sans MT"/>
-              </a:rPr>
-              <a:t>e</a:t>
-            </a:r>
-            <a:r>
-              <a:rPr sz="2350" spc="165" dirty="0">
-                <a:solidFill>
-                  <a:srgbClr val="FFFFFF"/>
-                </a:solidFill>
-                <a:latin typeface="Calibri" panose="020F0502020204030204"/>
-                <a:cs typeface="Calibri" panose="020F0502020204030204"/>
-              </a:rPr>
-              <a:t>x</a:t>
-            </a:r>
-            <a:r>
-              <a:rPr sz="2400" spc="165" dirty="0">
-                <a:solidFill>
-                  <a:srgbClr val="FFFFFF"/>
-                </a:solidFill>
-                <a:latin typeface="Gill Sans MT"/>
-                <a:cs typeface="Gill Sans MT"/>
-              </a:rPr>
-              <a:t>plain </a:t>
-            </a:r>
-            <a:r>
-              <a:rPr sz="2400" spc="60" dirty="0">
-                <a:solidFill>
-                  <a:srgbClr val="FFFFFF"/>
-                </a:solidFill>
-                <a:latin typeface="Gill Sans MT"/>
-                <a:cs typeface="Gill Sans MT"/>
-              </a:rPr>
-              <a:t>i</a:t>
-            </a:r>
-            <a:r>
-              <a:rPr sz="2350" spc="60" dirty="0">
-                <a:solidFill>
-                  <a:srgbClr val="FFFFFF"/>
-                </a:solidFill>
-                <a:latin typeface="Calibri" panose="020F0502020204030204"/>
-                <a:cs typeface="Calibri" panose="020F0502020204030204"/>
-              </a:rPr>
-              <a:t>t</a:t>
-            </a:r>
-            <a:r>
-              <a:rPr sz="2350" spc="-155" dirty="0">
-                <a:solidFill>
-                  <a:srgbClr val="FFFFFF"/>
-                </a:solidFill>
-                <a:latin typeface="Calibri" panose="020F0502020204030204"/>
-                <a:cs typeface="Calibri" panose="020F0502020204030204"/>
-              </a:rPr>
-              <a:t> </a:t>
-            </a:r>
-            <a:r>
-              <a:rPr sz="2400" spc="160" dirty="0">
-                <a:solidFill>
-                  <a:srgbClr val="FFFFFF"/>
-                </a:solidFill>
-                <a:latin typeface="Gill Sans MT"/>
-                <a:cs typeface="Gill Sans MT"/>
-              </a:rPr>
-              <a:t>b</a:t>
-            </a:r>
-            <a:r>
-              <a:rPr sz="2350" spc="160" dirty="0">
-                <a:solidFill>
-                  <a:srgbClr val="FFFFFF"/>
-                </a:solidFill>
-                <a:latin typeface="Calibri" panose="020F0502020204030204"/>
-                <a:cs typeface="Calibri" panose="020F0502020204030204"/>
-              </a:rPr>
-              <a:t>r</a:t>
-            </a:r>
-            <a:r>
-              <a:rPr sz="2400" spc="160" dirty="0">
-                <a:solidFill>
-                  <a:srgbClr val="FFFFFF"/>
-                </a:solidFill>
-                <a:latin typeface="Gill Sans MT"/>
-                <a:cs typeface="Gill Sans MT"/>
-              </a:rPr>
-              <a:t>iefl</a:t>
-            </a:r>
-            <a:r>
-              <a:rPr sz="2350" spc="160" dirty="0">
-                <a:solidFill>
-                  <a:srgbClr val="FFFFFF"/>
-                </a:solidFill>
-                <a:latin typeface="Calibri" panose="020F0502020204030204"/>
-                <a:cs typeface="Calibri" panose="020F0502020204030204"/>
-              </a:rPr>
-              <a:t>y</a:t>
-            </a:r>
-            <a:r>
-              <a:rPr sz="2250" spc="160" dirty="0">
-                <a:solidFill>
-                  <a:srgbClr val="FFFFFF"/>
-                </a:solidFill>
-                <a:latin typeface="Arial Black" panose="020B0A04020102020204"/>
-                <a:cs typeface="Arial Black" panose="020B0A04020102020204"/>
-              </a:rPr>
-              <a:t>.</a:t>
-            </a:r>
-            <a:endParaRPr sz="2250">
-              <a:latin typeface="Arial Black" panose="020B0A04020102020204"/>
-              <a:cs typeface="Arial Black" panose="020B0A04020102020204"/>
-            </a:endParaRPr>
-          </a:p>
-          <a:p>
-            <a:pPr>
+            <a:pPr marL="12700">
               <a:lnSpc>
                 <a:spcPct val="100000"/>
               </a:lnSpc>
               <a:spcBef>
-                <a:spcPts val="50"/>
+                <a:spcPts val="2535"/>
               </a:spcBef>
+              <a:tabLst>
+                <a:tab pos="1822450" algn="l"/>
+              </a:tabLst>
+            </a:pPr>
+            <a:endParaRPr sz="4150" spc="-210" dirty="0">
+              <a:solidFill>
+                <a:srgbClr val="09417D"/>
+              </a:solidFill>
+              <a:latin typeface="Verdana" panose="020B0604030504040204"/>
+              <a:cs typeface="Verdana" panose="020B0604030504040204"/>
+            </a:endParaRPr>
+          </a:p>
+          <a:p>
+            <a:pPr marL="12700">
+              <a:lnSpc>
+                <a:spcPct val="100000"/>
+              </a:lnSpc>
+              <a:spcBef>
+                <a:spcPts val="2535"/>
+              </a:spcBef>
+              <a:tabLst>
+                <a:tab pos="1822450" algn="l"/>
+              </a:tabLst>
             </a:pPr>
             <a:endParaRPr sz="2650">
               <a:latin typeface="Arial Black" panose="020B0A04020102020204"/>
@@ -8769,6 +8471,20 @@
               </a:rPr>
               <a:t>LSTM</a:t>
             </a:r>
+            <a:endParaRPr sz="4150" spc="-70" dirty="0">
+              <a:solidFill>
+                <a:srgbClr val="09417D"/>
+              </a:solidFill>
+              <a:latin typeface="Verdana" panose="020B0604030504040204"/>
+              <a:cs typeface="Verdana" panose="020B0604030504040204"/>
+            </a:endParaRPr>
+          </a:p>
+          <a:p>
+            <a:pPr marL="12700">
+              <a:lnSpc>
+                <a:spcPct val="100000"/>
+              </a:lnSpc>
+            </a:pPr>
             <a:endParaRPr sz="4150">
               <a:latin typeface="Verdana" panose="020B0604030504040204"/>
               <a:cs typeface="Verdana" panose="020B0604030504040204"/>
@@ -8783,336 +8499,6 @@
                 <a:spcPts val="460"/>
               </a:spcBef>
             </a:pPr>
-            <a:r>
-              <a:rPr sz="2400" spc="190" dirty="0">
-                <a:solidFill>
-                  <a:srgbClr val="FFFFFF"/>
-                </a:solidFill>
-                <a:latin typeface="Gill Sans MT"/>
-                <a:cs typeface="Gill Sans MT"/>
-              </a:rPr>
-              <a:t>Elabo</a:t>
-            </a:r>
-            <a:r>
-              <a:rPr sz="2350" spc="190" dirty="0">
-                <a:solidFill>
-                  <a:srgbClr val="FFFFFF"/>
-                </a:solidFill>
-                <a:latin typeface="Calibri" panose="020F0502020204030204"/>
-                <a:cs typeface="Calibri" panose="020F0502020204030204"/>
-              </a:rPr>
-              <a:t>r</a:t>
-            </a:r>
-            <a:r>
-              <a:rPr sz="2400" spc="190" dirty="0">
-                <a:solidFill>
-                  <a:srgbClr val="FFFFFF"/>
-                </a:solidFill>
-                <a:latin typeface="Gill Sans MT"/>
-                <a:cs typeface="Gill Sans MT"/>
-              </a:rPr>
-              <a:t>a</a:t>
-            </a:r>
-            <a:r>
-              <a:rPr sz="2350" spc="190" dirty="0">
-                <a:solidFill>
-                  <a:srgbClr val="FFFFFF"/>
-                </a:solidFill>
-                <a:latin typeface="Calibri" panose="020F0502020204030204"/>
-                <a:cs typeface="Calibri" panose="020F0502020204030204"/>
-              </a:rPr>
-              <a:t>t</a:t>
-            </a:r>
-            <a:r>
-              <a:rPr sz="2400" spc="190" dirty="0">
-                <a:solidFill>
-                  <a:srgbClr val="FFFFFF"/>
-                </a:solidFill>
-                <a:latin typeface="Gill Sans MT"/>
-                <a:cs typeface="Gill Sans MT"/>
-              </a:rPr>
-              <a:t>e </a:t>
-            </a:r>
-            <a:r>
-              <a:rPr sz="2400" spc="155" dirty="0">
-                <a:solidFill>
-                  <a:srgbClr val="FFFFFF"/>
-                </a:solidFill>
-                <a:latin typeface="Gill Sans MT"/>
-                <a:cs typeface="Gill Sans MT"/>
-              </a:rPr>
-              <a:t>on </a:t>
-            </a:r>
-            <a:r>
-              <a:rPr sz="2400" spc="140" dirty="0">
-                <a:solidFill>
-                  <a:srgbClr val="FFFFFF"/>
-                </a:solidFill>
-                <a:latin typeface="Gill Sans MT"/>
-                <a:cs typeface="Gill Sans MT"/>
-              </a:rPr>
-              <a:t>ho</a:t>
-            </a:r>
-            <a:r>
-              <a:rPr sz="2350" spc="140" dirty="0">
-                <a:solidFill>
-                  <a:srgbClr val="FFFFFF"/>
-                </a:solidFill>
-                <a:latin typeface="Calibri" panose="020F0502020204030204"/>
-                <a:cs typeface="Calibri" panose="020F0502020204030204"/>
-              </a:rPr>
-              <a:t>w </a:t>
-            </a:r>
-            <a:r>
-              <a:rPr sz="2350" spc="125" dirty="0">
-                <a:solidFill>
-                  <a:srgbClr val="FFFFFF"/>
-                </a:solidFill>
-                <a:latin typeface="Calibri" panose="020F0502020204030204"/>
-                <a:cs typeface="Calibri" panose="020F0502020204030204"/>
-              </a:rPr>
-              <a:t>t</a:t>
-            </a:r>
-            <a:r>
-              <a:rPr sz="2400" spc="125" dirty="0">
-                <a:solidFill>
-                  <a:srgbClr val="FFFFFF"/>
-                </a:solidFill>
-                <a:latin typeface="Gill Sans MT"/>
-                <a:cs typeface="Gill Sans MT"/>
-              </a:rPr>
-              <a:t>hi</a:t>
-            </a:r>
-            <a:r>
-              <a:rPr sz="2350" spc="125" dirty="0">
-                <a:solidFill>
-                  <a:srgbClr val="FFFFFF"/>
-                </a:solidFill>
-                <a:latin typeface="Calibri" panose="020F0502020204030204"/>
-                <a:cs typeface="Calibri" panose="020F0502020204030204"/>
-              </a:rPr>
-              <a:t>s </a:t>
-            </a:r>
-            <a:r>
-              <a:rPr sz="2400" spc="160" dirty="0">
-                <a:solidFill>
-                  <a:srgbClr val="FFFFFF"/>
-                </a:solidFill>
-                <a:latin typeface="Gill Sans MT"/>
-                <a:cs typeface="Gill Sans MT"/>
-              </a:rPr>
-              <a:t>nega</a:t>
-            </a:r>
-            <a:r>
-              <a:rPr sz="2350" spc="160" dirty="0">
-                <a:solidFill>
-                  <a:srgbClr val="FFFFFF"/>
-                </a:solidFill>
-                <a:latin typeface="Calibri" panose="020F0502020204030204"/>
-                <a:cs typeface="Calibri" panose="020F0502020204030204"/>
-              </a:rPr>
-              <a:t>t</a:t>
-            </a:r>
-            <a:r>
-              <a:rPr sz="2400" spc="160" dirty="0">
-                <a:solidFill>
-                  <a:srgbClr val="FFFFFF"/>
-                </a:solidFill>
-                <a:latin typeface="Gill Sans MT"/>
-                <a:cs typeface="Gill Sans MT"/>
-              </a:rPr>
-              <a:t>i</a:t>
-            </a:r>
-            <a:r>
-              <a:rPr sz="2350" spc="160" dirty="0">
-                <a:solidFill>
-                  <a:srgbClr val="FFFFFF"/>
-                </a:solidFill>
-                <a:latin typeface="Calibri" panose="020F0502020204030204"/>
-                <a:cs typeface="Calibri" panose="020F0502020204030204"/>
-              </a:rPr>
-              <a:t>v</a:t>
-            </a:r>
-            <a:r>
-              <a:rPr sz="2400" spc="160" dirty="0">
-                <a:solidFill>
-                  <a:srgbClr val="FFFFFF"/>
-                </a:solidFill>
-                <a:latin typeface="Gill Sans MT"/>
-                <a:cs typeface="Gill Sans MT"/>
-              </a:rPr>
-              <a:t>el</a:t>
-            </a:r>
-            <a:r>
-              <a:rPr sz="2350" spc="160" dirty="0">
-                <a:solidFill>
-                  <a:srgbClr val="FFFFFF"/>
-                </a:solidFill>
-                <a:latin typeface="Calibri" panose="020F0502020204030204"/>
-                <a:cs typeface="Calibri" panose="020F0502020204030204"/>
-              </a:rPr>
-              <a:t>y</a:t>
-            </a:r>
-            <a:r>
-              <a:rPr sz="2350" spc="-40" dirty="0">
-                <a:solidFill>
-                  <a:srgbClr val="FFFFFF"/>
-                </a:solidFill>
-                <a:latin typeface="Calibri" panose="020F0502020204030204"/>
-                <a:cs typeface="Calibri" panose="020F0502020204030204"/>
-              </a:rPr>
-              <a:t> </a:t>
-            </a:r>
-            <a:r>
-              <a:rPr sz="2400" spc="180" dirty="0">
-                <a:solidFill>
-                  <a:srgbClr val="FFFFFF"/>
-                </a:solidFill>
-                <a:latin typeface="Gill Sans MT"/>
-                <a:cs typeface="Gill Sans MT"/>
-              </a:rPr>
-              <a:t>impac</a:t>
-            </a:r>
-            <a:r>
-              <a:rPr sz="2350" spc="180" dirty="0">
-                <a:solidFill>
-                  <a:srgbClr val="FFFFFF"/>
-                </a:solidFill>
-                <a:latin typeface="Calibri" panose="020F0502020204030204"/>
-                <a:cs typeface="Calibri" panose="020F0502020204030204"/>
-              </a:rPr>
-              <a:t>ts  </a:t>
-            </a:r>
-            <a:r>
-              <a:rPr sz="2400" spc="160" dirty="0">
-                <a:solidFill>
-                  <a:srgbClr val="FFFFFF"/>
-                </a:solidFill>
-                <a:latin typeface="Gill Sans MT"/>
-                <a:cs typeface="Gill Sans MT"/>
-              </a:rPr>
-              <a:t>people </a:t>
-            </a:r>
-            <a:r>
-              <a:rPr sz="2400" spc="225" dirty="0">
-                <a:solidFill>
-                  <a:srgbClr val="FFFFFF"/>
-                </a:solidFill>
-                <a:latin typeface="Gill Sans MT"/>
-                <a:cs typeface="Gill Sans MT"/>
-              </a:rPr>
-              <a:t>and </a:t>
-            </a:r>
-            <a:r>
-              <a:rPr sz="2350" spc="135" dirty="0">
-                <a:solidFill>
-                  <a:srgbClr val="FFFFFF"/>
-                </a:solidFill>
-                <a:latin typeface="Calibri" panose="020F0502020204030204"/>
-                <a:cs typeface="Calibri" panose="020F0502020204030204"/>
-              </a:rPr>
-              <a:t>t</a:t>
-            </a:r>
-            <a:r>
-              <a:rPr sz="2400" spc="135" dirty="0">
-                <a:solidFill>
-                  <a:srgbClr val="FFFFFF"/>
-                </a:solidFill>
-                <a:latin typeface="Gill Sans MT"/>
-                <a:cs typeface="Gill Sans MT"/>
-              </a:rPr>
-              <a:t>hei</a:t>
-            </a:r>
-            <a:r>
-              <a:rPr sz="2350" spc="135" dirty="0">
-                <a:solidFill>
-                  <a:srgbClr val="FFFFFF"/>
-                </a:solidFill>
-                <a:latin typeface="Calibri" panose="020F0502020204030204"/>
-                <a:cs typeface="Calibri" panose="020F0502020204030204"/>
-              </a:rPr>
-              <a:t>r</a:t>
-            </a:r>
-            <a:r>
-              <a:rPr sz="2350" spc="-150" dirty="0">
-                <a:solidFill>
-                  <a:srgbClr val="FFFFFF"/>
-                </a:solidFill>
-                <a:latin typeface="Calibri" panose="020F0502020204030204"/>
-                <a:cs typeface="Calibri" panose="020F0502020204030204"/>
-              </a:rPr>
-              <a:t> </a:t>
-            </a:r>
-            <a:r>
-              <a:rPr sz="2400" spc="160" dirty="0">
-                <a:solidFill>
-                  <a:srgbClr val="FFFFFF"/>
-                </a:solidFill>
-                <a:latin typeface="Gill Sans MT"/>
-                <a:cs typeface="Gill Sans MT"/>
-              </a:rPr>
-              <a:t>e</a:t>
-            </a:r>
-            <a:r>
-              <a:rPr sz="2350" spc="160" dirty="0">
-                <a:solidFill>
-                  <a:srgbClr val="FFFFFF"/>
-                </a:solidFill>
-                <a:latin typeface="Calibri" panose="020F0502020204030204"/>
-                <a:cs typeface="Calibri" panose="020F0502020204030204"/>
-              </a:rPr>
-              <a:t>x</a:t>
-            </a:r>
-            <a:r>
-              <a:rPr sz="2400" spc="160" dirty="0">
-                <a:solidFill>
-                  <a:srgbClr val="FFFFFF"/>
-                </a:solidFill>
-                <a:latin typeface="Gill Sans MT"/>
-                <a:cs typeface="Gill Sans MT"/>
-              </a:rPr>
-              <a:t>pe</a:t>
-            </a:r>
-            <a:r>
-              <a:rPr sz="2350" spc="160" dirty="0">
-                <a:solidFill>
-                  <a:srgbClr val="FFFFFF"/>
-                </a:solidFill>
-                <a:latin typeface="Calibri" panose="020F0502020204030204"/>
-                <a:cs typeface="Calibri" panose="020F0502020204030204"/>
-              </a:rPr>
-              <a:t>r</a:t>
-            </a:r>
-            <a:r>
-              <a:rPr sz="2400" spc="160" dirty="0">
-                <a:solidFill>
-                  <a:srgbClr val="FFFFFF"/>
-                </a:solidFill>
-                <a:latin typeface="Gill Sans MT"/>
-                <a:cs typeface="Gill Sans MT"/>
-              </a:rPr>
-              <a:t>ience</a:t>
-            </a:r>
-            <a:r>
-              <a:rPr sz="2350" spc="160" dirty="0">
-                <a:solidFill>
-                  <a:srgbClr val="FFFFFF"/>
-                </a:solidFill>
-                <a:latin typeface="Calibri" panose="020F0502020204030204"/>
-                <a:cs typeface="Calibri" panose="020F0502020204030204"/>
-              </a:rPr>
-              <a:t>s</a:t>
-            </a:r>
-            <a:r>
-              <a:rPr sz="2250" spc="160" dirty="0">
-                <a:solidFill>
-                  <a:srgbClr val="FFFFFF"/>
-                </a:solidFill>
-                <a:latin typeface="Arial Black" panose="020B0A04020102020204"/>
-                <a:cs typeface="Arial Black" panose="020B0A04020102020204"/>
-              </a:rPr>
-              <a:t>.</a:t>
-            </a:r>
             <a:endParaRPr sz="2250">
               <a:latin typeface="Arial Black" panose="020B0A04020102020204"/>
               <a:cs typeface="Arial Black" panose="020B0A04020102020204"/>
@@ -9168,6 +8554,20 @@
               </a:rPr>
               <a:t>LSTM</a:t>
             </a:r>
+            <a:endParaRPr sz="4150" spc="-70" dirty="0">
+              <a:solidFill>
+                <a:srgbClr val="09417D"/>
+              </a:solidFill>
+              <a:latin typeface="Verdana" panose="020B0604030504040204"/>
+              <a:cs typeface="Verdana" panose="020B0604030504040204"/>
+            </a:endParaRPr>
+          </a:p>
+          <a:p>
+            <a:pPr marL="12700">
+              <a:lnSpc>
+                <a:spcPct val="100000"/>
+              </a:lnSpc>
+            </a:pPr>
             <a:endParaRPr sz="4150">
               <a:latin typeface="Verdana" panose="020B0604030504040204"/>
               <a:cs typeface="Verdana" panose="020B0604030504040204"/>
@@ -9182,416 +8582,6 @@
                 <a:spcPts val="100"/>
               </a:spcBef>
             </a:pPr>
-            <a:r>
-              <a:rPr sz="2400" spc="260" dirty="0">
-                <a:solidFill>
-                  <a:srgbClr val="FFFFFF"/>
-                </a:solidFill>
-                <a:latin typeface="Gill Sans MT"/>
-                <a:cs typeface="Gill Sans MT"/>
-              </a:rPr>
-              <a:t>F</a:t>
-            </a:r>
-            <a:r>
-              <a:rPr sz="2350" spc="260" dirty="0">
-                <a:solidFill>
-                  <a:srgbClr val="FFFFFF"/>
-                </a:solidFill>
-                <a:latin typeface="Calibri" panose="020F0502020204030204"/>
-                <a:cs typeface="Calibri" panose="020F0502020204030204"/>
-              </a:rPr>
-              <a:t>r</a:t>
-            </a:r>
-            <a:r>
-              <a:rPr sz="2400" spc="260" dirty="0">
-                <a:solidFill>
-                  <a:srgbClr val="FFFFFF"/>
-                </a:solidFill>
-                <a:latin typeface="Gill Sans MT"/>
-                <a:cs typeface="Gill Sans MT"/>
-              </a:rPr>
-              <a:t>ame </a:t>
-            </a:r>
-            <a:r>
-              <a:rPr sz="2350" spc="140" dirty="0">
-                <a:solidFill>
-                  <a:srgbClr val="FFFFFF"/>
-                </a:solidFill>
-                <a:latin typeface="Calibri" panose="020F0502020204030204"/>
-                <a:cs typeface="Calibri" panose="020F0502020204030204"/>
-              </a:rPr>
-              <a:t>t</a:t>
-            </a:r>
-            <a:r>
-              <a:rPr sz="2400" spc="140" dirty="0">
-                <a:solidFill>
-                  <a:srgbClr val="FFFFFF"/>
-                </a:solidFill>
-                <a:latin typeface="Gill Sans MT"/>
-                <a:cs typeface="Gill Sans MT"/>
-              </a:rPr>
-              <a:t>he </a:t>
-            </a:r>
-            <a:r>
-              <a:rPr sz="2400" spc="185" dirty="0">
-                <a:solidFill>
-                  <a:srgbClr val="FFFFFF"/>
-                </a:solidFill>
-                <a:latin typeface="Gill Sans MT"/>
-                <a:cs typeface="Gill Sans MT"/>
-              </a:rPr>
-              <a:t>p</a:t>
-            </a:r>
-            <a:r>
-              <a:rPr sz="2350" spc="185" dirty="0">
-                <a:solidFill>
-                  <a:srgbClr val="FFFFFF"/>
-                </a:solidFill>
-                <a:latin typeface="Calibri" panose="020F0502020204030204"/>
-                <a:cs typeface="Calibri" panose="020F0502020204030204"/>
-              </a:rPr>
-              <a:t>r</a:t>
-            </a:r>
-            <a:r>
-              <a:rPr sz="2400" spc="185" dirty="0">
-                <a:solidFill>
-                  <a:srgbClr val="FFFFFF"/>
-                </a:solidFill>
-                <a:latin typeface="Gill Sans MT"/>
-                <a:cs typeface="Gill Sans MT"/>
-              </a:rPr>
-              <a:t>oblem</a:t>
-            </a:r>
-            <a:r>
-              <a:rPr sz="2350" spc="185" dirty="0">
-                <a:solidFill>
-                  <a:srgbClr val="FFFFFF"/>
-                </a:solidFill>
-                <a:latin typeface="Calibri" panose="020F0502020204030204"/>
-                <a:cs typeface="Calibri" panose="020F0502020204030204"/>
-              </a:rPr>
-              <a:t>s </a:t>
-            </a:r>
-            <a:r>
-              <a:rPr sz="2400" spc="155" dirty="0">
-                <a:solidFill>
-                  <a:srgbClr val="FFFFFF"/>
-                </a:solidFill>
-                <a:latin typeface="Gill Sans MT"/>
-                <a:cs typeface="Gill Sans MT"/>
-              </a:rPr>
-              <a:t>effec</a:t>
-            </a:r>
-            <a:r>
-              <a:rPr sz="2350" spc="155" dirty="0">
-                <a:solidFill>
-                  <a:srgbClr val="FFFFFF"/>
-                </a:solidFill>
-                <a:latin typeface="Calibri" panose="020F0502020204030204"/>
-                <a:cs typeface="Calibri" panose="020F0502020204030204"/>
-              </a:rPr>
-              <a:t>t</a:t>
-            </a:r>
-            <a:r>
-              <a:rPr sz="2400" spc="155" dirty="0">
-                <a:solidFill>
-                  <a:srgbClr val="FFFFFF"/>
-                </a:solidFill>
-                <a:latin typeface="Gill Sans MT"/>
-                <a:cs typeface="Gill Sans MT"/>
-              </a:rPr>
-              <a:t>i</a:t>
-            </a:r>
-            <a:r>
-              <a:rPr sz="2350" spc="155" dirty="0">
-                <a:solidFill>
-                  <a:srgbClr val="FFFFFF"/>
-                </a:solidFill>
-                <a:latin typeface="Calibri" panose="020F0502020204030204"/>
-                <a:cs typeface="Calibri" panose="020F0502020204030204"/>
-              </a:rPr>
-              <a:t>v</a:t>
-            </a:r>
-            <a:r>
-              <a:rPr sz="2400" spc="155" dirty="0">
-                <a:solidFill>
-                  <a:srgbClr val="FFFFFF"/>
-                </a:solidFill>
-                <a:latin typeface="Gill Sans MT"/>
-                <a:cs typeface="Gill Sans MT"/>
-              </a:rPr>
-              <a:t>el</a:t>
-            </a:r>
-            <a:r>
-              <a:rPr sz="2350" spc="155" dirty="0">
-                <a:solidFill>
-                  <a:srgbClr val="FFFFFF"/>
-                </a:solidFill>
-                <a:latin typeface="Calibri" panose="020F0502020204030204"/>
-                <a:cs typeface="Calibri" panose="020F0502020204030204"/>
-              </a:rPr>
-              <a:t>y </a:t>
-            </a:r>
-            <a:r>
-              <a:rPr sz="2400" spc="220" dirty="0">
-                <a:solidFill>
-                  <a:srgbClr val="FFFFFF"/>
-                </a:solidFill>
-                <a:latin typeface="Gill Sans MT"/>
-                <a:cs typeface="Gill Sans MT"/>
-              </a:rPr>
-              <a:t>a</a:t>
-            </a:r>
-            <a:r>
-              <a:rPr sz="2350" spc="220" dirty="0">
-                <a:solidFill>
-                  <a:srgbClr val="FFFFFF"/>
-                </a:solidFill>
-                <a:latin typeface="Calibri" panose="020F0502020204030204"/>
-                <a:cs typeface="Calibri" panose="020F0502020204030204"/>
-              </a:rPr>
-              <a:t>s </a:t>
-            </a:r>
-            <a:r>
-              <a:rPr sz="2400" spc="60" dirty="0">
-                <a:solidFill>
-                  <a:srgbClr val="FFFFFF"/>
-                </a:solidFill>
-                <a:latin typeface="Gill Sans MT"/>
-                <a:cs typeface="Gill Sans MT"/>
-              </a:rPr>
-              <a:t>i</a:t>
-            </a:r>
-            <a:r>
-              <a:rPr sz="2350" spc="60" dirty="0">
-                <a:solidFill>
-                  <a:srgbClr val="FFFFFF"/>
-                </a:solidFill>
-                <a:latin typeface="Calibri" panose="020F0502020204030204"/>
-                <a:cs typeface="Calibri" panose="020F0502020204030204"/>
-              </a:rPr>
-              <a:t>t  </a:t>
-            </a:r>
-            <a:r>
-              <a:rPr sz="2350" spc="105" dirty="0">
-                <a:solidFill>
-                  <a:srgbClr val="FFFFFF"/>
-                </a:solidFill>
-                <a:latin typeface="Calibri" panose="020F0502020204030204"/>
-                <a:cs typeface="Calibri" panose="020F0502020204030204"/>
-              </a:rPr>
-              <a:t>w</a:t>
-            </a:r>
-            <a:r>
-              <a:rPr sz="2400" spc="105" dirty="0">
-                <a:solidFill>
-                  <a:srgbClr val="FFFFFF"/>
-                </a:solidFill>
-                <a:latin typeface="Gill Sans MT"/>
-                <a:cs typeface="Gill Sans MT"/>
-              </a:rPr>
-              <a:t>ill </a:t>
-            </a:r>
-            <a:r>
-              <a:rPr sz="2350" spc="125" dirty="0">
-                <a:solidFill>
-                  <a:srgbClr val="FFFFFF"/>
-                </a:solidFill>
-                <a:latin typeface="Calibri" panose="020F0502020204030204"/>
-                <a:cs typeface="Calibri" panose="020F0502020204030204"/>
-              </a:rPr>
-              <a:t>s</a:t>
-            </a:r>
-            <a:r>
-              <a:rPr sz="2400" spc="125" dirty="0">
-                <a:solidFill>
-                  <a:srgbClr val="FFFFFF"/>
-                </a:solidFill>
-                <a:latin typeface="Gill Sans MT"/>
-                <a:cs typeface="Gill Sans MT"/>
-              </a:rPr>
-              <a:t>e</a:t>
-            </a:r>
-            <a:r>
-              <a:rPr sz="2350" spc="125" dirty="0">
-                <a:solidFill>
-                  <a:srgbClr val="FFFFFF"/>
-                </a:solidFill>
-                <a:latin typeface="Calibri" panose="020F0502020204030204"/>
-                <a:cs typeface="Calibri" panose="020F0502020204030204"/>
-              </a:rPr>
-              <a:t>t </a:t>
-            </a:r>
-            <a:r>
-              <a:rPr sz="2350" spc="140" dirty="0">
-                <a:solidFill>
-                  <a:srgbClr val="FFFFFF"/>
-                </a:solidFill>
-                <a:latin typeface="Calibri" panose="020F0502020204030204"/>
-                <a:cs typeface="Calibri" panose="020F0502020204030204"/>
-              </a:rPr>
-              <a:t>t</a:t>
-            </a:r>
-            <a:r>
-              <a:rPr sz="2400" spc="140" dirty="0">
-                <a:solidFill>
-                  <a:srgbClr val="FFFFFF"/>
-                </a:solidFill>
-                <a:latin typeface="Gill Sans MT"/>
-                <a:cs typeface="Gill Sans MT"/>
-              </a:rPr>
-              <a:t>he </a:t>
-            </a:r>
-            <a:r>
-              <a:rPr sz="2350" spc="180" dirty="0">
-                <a:solidFill>
-                  <a:srgbClr val="FFFFFF"/>
-                </a:solidFill>
-                <a:latin typeface="Calibri" panose="020F0502020204030204"/>
-                <a:cs typeface="Calibri" panose="020F0502020204030204"/>
-              </a:rPr>
-              <a:t>st</a:t>
-            </a:r>
-            <a:r>
-              <a:rPr sz="2400" spc="180" dirty="0">
-                <a:solidFill>
-                  <a:srgbClr val="FFFFFF"/>
-                </a:solidFill>
-                <a:latin typeface="Gill Sans MT"/>
-                <a:cs typeface="Gill Sans MT"/>
-              </a:rPr>
-              <a:t>age of </a:t>
-            </a:r>
-            <a:r>
-              <a:rPr sz="2350" spc="155" dirty="0">
-                <a:solidFill>
-                  <a:srgbClr val="FFFFFF"/>
-                </a:solidFill>
-                <a:latin typeface="Calibri" panose="020F0502020204030204"/>
-                <a:cs typeface="Calibri" panose="020F0502020204030204"/>
-              </a:rPr>
-              <a:t>y</a:t>
-            </a:r>
-            <a:r>
-              <a:rPr sz="2400" spc="155" dirty="0">
-                <a:solidFill>
-                  <a:srgbClr val="FFFFFF"/>
-                </a:solidFill>
-                <a:latin typeface="Gill Sans MT"/>
-                <a:cs typeface="Gill Sans MT"/>
-              </a:rPr>
-              <a:t>o</a:t>
-            </a:r>
-            <a:r>
-              <a:rPr sz="2350" spc="155" dirty="0">
-                <a:solidFill>
-                  <a:srgbClr val="FFFFFF"/>
-                </a:solidFill>
-                <a:latin typeface="Calibri" panose="020F0502020204030204"/>
-                <a:cs typeface="Calibri" panose="020F0502020204030204"/>
-              </a:rPr>
-              <a:t>ur </a:t>
-            </a:r>
-            <a:r>
-              <a:rPr sz="2400" spc="140" dirty="0">
-                <a:solidFill>
-                  <a:srgbClr val="FFFFFF"/>
-                </a:solidFill>
-                <a:latin typeface="Gill Sans MT"/>
-                <a:cs typeface="Gill Sans MT"/>
-              </a:rPr>
-              <a:t>en</a:t>
-            </a:r>
-            <a:r>
-              <a:rPr sz="2350" spc="140" dirty="0">
-                <a:solidFill>
-                  <a:srgbClr val="FFFFFF"/>
-                </a:solidFill>
-                <a:latin typeface="Calibri" panose="020F0502020204030204"/>
-                <a:cs typeface="Calibri" panose="020F0502020204030204"/>
-              </a:rPr>
-              <a:t>t</a:t>
-            </a:r>
-            <a:r>
-              <a:rPr sz="2400" spc="140" dirty="0">
-                <a:solidFill>
-                  <a:srgbClr val="FFFFFF"/>
-                </a:solidFill>
-                <a:latin typeface="Gill Sans MT"/>
-                <a:cs typeface="Gill Sans MT"/>
-              </a:rPr>
-              <a:t>i</a:t>
-            </a:r>
-            <a:r>
-              <a:rPr sz="2350" spc="140" dirty="0">
-                <a:solidFill>
-                  <a:srgbClr val="FFFFFF"/>
-                </a:solidFill>
-                <a:latin typeface="Calibri" panose="020F0502020204030204"/>
-                <a:cs typeface="Calibri" panose="020F0502020204030204"/>
-              </a:rPr>
-              <a:t>r</a:t>
-            </a:r>
-            <a:r>
-              <a:rPr sz="2400" spc="140" dirty="0">
-                <a:solidFill>
-                  <a:srgbClr val="FFFFFF"/>
-                </a:solidFill>
-                <a:latin typeface="Gill Sans MT"/>
-                <a:cs typeface="Gill Sans MT"/>
-              </a:rPr>
-              <a:t>e</a:t>
-            </a:r>
-            <a:r>
-              <a:rPr sz="2400" spc="-409" dirty="0">
-                <a:solidFill>
-                  <a:srgbClr val="FFFFFF"/>
-                </a:solidFill>
-                <a:latin typeface="Gill Sans MT"/>
-                <a:cs typeface="Gill Sans MT"/>
-              </a:rPr>
-              <a:t> </a:t>
-            </a:r>
-            <a:r>
-              <a:rPr sz="2400" spc="140" dirty="0">
-                <a:solidFill>
-                  <a:srgbClr val="FFFFFF"/>
-                </a:solidFill>
-                <a:latin typeface="Gill Sans MT"/>
-                <a:cs typeface="Gill Sans MT"/>
-              </a:rPr>
-              <a:t>pi</a:t>
-            </a:r>
-            <a:r>
-              <a:rPr sz="2350" spc="140" dirty="0">
-                <a:solidFill>
-                  <a:srgbClr val="FFFFFF"/>
-                </a:solidFill>
-                <a:latin typeface="Calibri" panose="020F0502020204030204"/>
-                <a:cs typeface="Calibri" panose="020F0502020204030204"/>
-              </a:rPr>
-              <a:t>t</a:t>
-            </a:r>
-            <a:r>
-              <a:rPr sz="2400" spc="140" dirty="0">
-                <a:solidFill>
-                  <a:srgbClr val="FFFFFF"/>
-                </a:solidFill>
-                <a:latin typeface="Gill Sans MT"/>
-                <a:cs typeface="Gill Sans MT"/>
-              </a:rPr>
-              <a:t>ch</a:t>
-            </a:r>
-            <a:r>
-              <a:rPr sz="2250" spc="140" dirty="0">
-                <a:solidFill>
-                  <a:srgbClr val="FFFFFF"/>
-                </a:solidFill>
-                <a:latin typeface="Arial Black" panose="020B0A04020102020204"/>
-                <a:cs typeface="Arial Black" panose="020B0A04020102020204"/>
-              </a:rPr>
-              <a:t>.</a:t>
-            </a:r>
             <a:endParaRPr sz="2250">
               <a:latin typeface="Arial Black" panose="020B0A04020102020204"/>
               <a:cs typeface="Arial Black" panose="020B0A04020102020204"/>
@@ -9626,330 +8616,6 @@
                 <a:cs typeface="Verdana" panose="020B0604030504040204"/>
               </a:rPr>
               <a:t>XGBoost</a:t>
-            </a:r>
-            <a:endParaRPr sz="4150">
-              <a:latin typeface="Verdana" panose="020B0604030504040204"/>
-              <a:cs typeface="Verdana" panose="020B0604030504040204"/>
-            </a:endParaRPr>
-          </a:p>
-          <a:p>
-            <a:pPr marL="12700" marR="223520">
-              <a:lnSpc>
-                <a:spcPct val="127000"/>
-              </a:lnSpc>
-              <a:spcBef>
-                <a:spcPts val="870"/>
-              </a:spcBef>
-            </a:pPr>
-            <a:r>
-              <a:rPr sz="2400" spc="125" dirty="0">
-                <a:solidFill>
-                  <a:srgbClr val="FFFFFF"/>
-                </a:solidFill>
-                <a:latin typeface="Gill Sans MT"/>
-                <a:cs typeface="Gill Sans MT"/>
-              </a:rPr>
-              <a:t>Gi</a:t>
-            </a:r>
-            <a:r>
-              <a:rPr sz="2350" spc="125" dirty="0">
-                <a:solidFill>
-                  <a:srgbClr val="FFFFFF"/>
-                </a:solidFill>
-                <a:latin typeface="Calibri" panose="020F0502020204030204"/>
-                <a:cs typeface="Calibri" panose="020F0502020204030204"/>
-              </a:rPr>
-              <a:t>v</a:t>
-            </a:r>
-            <a:r>
-              <a:rPr sz="2400" spc="125" dirty="0">
-                <a:solidFill>
-                  <a:srgbClr val="FFFFFF"/>
-                </a:solidFill>
-                <a:latin typeface="Gill Sans MT"/>
-                <a:cs typeface="Gill Sans MT"/>
-              </a:rPr>
-              <a:t>e </a:t>
-            </a:r>
-            <a:r>
-              <a:rPr sz="2400" spc="270" dirty="0">
-                <a:solidFill>
-                  <a:srgbClr val="FFFFFF"/>
-                </a:solidFill>
-                <a:latin typeface="Gill Sans MT"/>
-                <a:cs typeface="Gill Sans MT"/>
-              </a:rPr>
-              <a:t>a</a:t>
-            </a:r>
-            <a:r>
-              <a:rPr sz="2400" spc="-405" dirty="0">
-                <a:solidFill>
-                  <a:srgbClr val="FFFFFF"/>
-                </a:solidFill>
-                <a:latin typeface="Gill Sans MT"/>
-                <a:cs typeface="Gill Sans MT"/>
-              </a:rPr>
-              <a:t> </a:t>
-            </a:r>
-            <a:r>
-              <a:rPr sz="2350" spc="150" dirty="0">
-                <a:solidFill>
-                  <a:srgbClr val="FFFFFF"/>
-                </a:solidFill>
-                <a:latin typeface="Calibri" panose="020F0502020204030204"/>
-                <a:cs typeface="Calibri" panose="020F0502020204030204"/>
-              </a:rPr>
-              <a:t>str</a:t>
-            </a:r>
-            <a:r>
-              <a:rPr sz="2400" spc="150" dirty="0">
-                <a:solidFill>
-                  <a:srgbClr val="FFFFFF"/>
-                </a:solidFill>
-                <a:latin typeface="Gill Sans MT"/>
-                <a:cs typeface="Gill Sans MT"/>
-              </a:rPr>
-              <a:t>iking </a:t>
-            </a:r>
-            <a:r>
-              <a:rPr sz="2400" spc="130" dirty="0">
-                <a:solidFill>
-                  <a:srgbClr val="FFFFFF"/>
-                </a:solidFill>
-                <a:latin typeface="Gill Sans MT"/>
-                <a:cs typeface="Gill Sans MT"/>
-              </a:rPr>
-              <a:t>o</a:t>
-            </a:r>
-            <a:r>
-              <a:rPr sz="2350" spc="130" dirty="0">
-                <a:solidFill>
-                  <a:srgbClr val="FFFFFF"/>
-                </a:solidFill>
-                <a:latin typeface="Calibri" panose="020F0502020204030204"/>
-                <a:cs typeface="Calibri" panose="020F0502020204030204"/>
-              </a:rPr>
-              <a:t>v</a:t>
-            </a:r>
-            <a:r>
-              <a:rPr sz="2400" spc="130" dirty="0">
-                <a:solidFill>
-                  <a:srgbClr val="FFFFFF"/>
-                </a:solidFill>
-                <a:latin typeface="Gill Sans MT"/>
-                <a:cs typeface="Gill Sans MT"/>
-              </a:rPr>
-              <a:t>e</a:t>
-            </a:r>
-            <a:r>
-              <a:rPr sz="2350" spc="130" dirty="0">
-                <a:solidFill>
-                  <a:srgbClr val="FFFFFF"/>
-                </a:solidFill>
-                <a:latin typeface="Calibri" panose="020F0502020204030204"/>
-                <a:cs typeface="Calibri" panose="020F0502020204030204"/>
-              </a:rPr>
-              <a:t>rv</a:t>
-            </a:r>
-            <a:r>
-              <a:rPr sz="2400" spc="130" dirty="0">
-                <a:solidFill>
-                  <a:srgbClr val="FFFFFF"/>
-                </a:solidFill>
-                <a:latin typeface="Gill Sans MT"/>
-                <a:cs typeface="Gill Sans MT"/>
-              </a:rPr>
-              <a:t>ie</a:t>
-            </a:r>
-            <a:r>
-              <a:rPr sz="2350" spc="130" dirty="0">
-                <a:solidFill>
-                  <a:srgbClr val="FFFFFF"/>
-                </a:solidFill>
-                <a:latin typeface="Calibri" panose="020F0502020204030204"/>
-                <a:cs typeface="Calibri" panose="020F0502020204030204"/>
-              </a:rPr>
-              <a:t>w </a:t>
-            </a:r>
-            <a:r>
-              <a:rPr sz="2400" spc="180" dirty="0">
-                <a:solidFill>
-                  <a:srgbClr val="FFFFFF"/>
-                </a:solidFill>
-                <a:latin typeface="Gill Sans MT"/>
-                <a:cs typeface="Gill Sans MT"/>
-              </a:rPr>
-              <a:t>of </a:t>
-            </a:r>
-            <a:r>
-              <a:rPr sz="2350" spc="140" dirty="0">
-                <a:solidFill>
-                  <a:srgbClr val="FFFFFF"/>
-                </a:solidFill>
-                <a:latin typeface="Calibri" panose="020F0502020204030204"/>
-                <a:cs typeface="Calibri" panose="020F0502020204030204"/>
-              </a:rPr>
-              <a:t>t</a:t>
-            </a:r>
-            <a:r>
-              <a:rPr sz="2400" spc="140" dirty="0">
-                <a:solidFill>
-                  <a:srgbClr val="FFFFFF"/>
-                </a:solidFill>
-                <a:latin typeface="Gill Sans MT"/>
-                <a:cs typeface="Gill Sans MT"/>
-              </a:rPr>
-              <a:t>he </a:t>
-            </a:r>
-            <a:r>
-              <a:rPr sz="2400" spc="185" dirty="0">
-                <a:solidFill>
-                  <a:srgbClr val="FFFFFF"/>
-                </a:solidFill>
-                <a:latin typeface="Gill Sans MT"/>
-                <a:cs typeface="Gill Sans MT"/>
-              </a:rPr>
-              <a:t>p</a:t>
-            </a:r>
-            <a:r>
-              <a:rPr sz="2350" spc="185" dirty="0">
-                <a:solidFill>
-                  <a:srgbClr val="FFFFFF"/>
-                </a:solidFill>
-                <a:latin typeface="Calibri" panose="020F0502020204030204"/>
-                <a:cs typeface="Calibri" panose="020F0502020204030204"/>
-              </a:rPr>
-              <a:t>r</a:t>
-            </a:r>
-            <a:r>
-              <a:rPr sz="2400" spc="185" dirty="0">
-                <a:solidFill>
-                  <a:srgbClr val="FFFFFF"/>
-                </a:solidFill>
-                <a:latin typeface="Gill Sans MT"/>
-                <a:cs typeface="Gill Sans MT"/>
-              </a:rPr>
-              <a:t>oblem  </a:t>
-            </a:r>
-            <a:r>
-              <a:rPr sz="2400" spc="225" dirty="0">
-                <a:solidFill>
-                  <a:srgbClr val="FFFFFF"/>
-                </a:solidFill>
-                <a:latin typeface="Gill Sans MT"/>
-                <a:cs typeface="Gill Sans MT"/>
-              </a:rPr>
-              <a:t>and </a:t>
-            </a:r>
-            <a:r>
-              <a:rPr sz="2400" spc="165" dirty="0">
-                <a:solidFill>
-                  <a:srgbClr val="FFFFFF"/>
-                </a:solidFill>
-                <a:latin typeface="Gill Sans MT"/>
-                <a:cs typeface="Gill Sans MT"/>
-              </a:rPr>
-              <a:t>e</a:t>
-            </a:r>
-            <a:r>
-              <a:rPr sz="2350" spc="165" dirty="0">
-                <a:solidFill>
-                  <a:srgbClr val="FFFFFF"/>
-                </a:solidFill>
-                <a:latin typeface="Calibri" panose="020F0502020204030204"/>
-                <a:cs typeface="Calibri" panose="020F0502020204030204"/>
-              </a:rPr>
-              <a:t>x</a:t>
-            </a:r>
-            <a:r>
-              <a:rPr sz="2400" spc="165" dirty="0">
-                <a:solidFill>
-                  <a:srgbClr val="FFFFFF"/>
-                </a:solidFill>
-                <a:latin typeface="Gill Sans MT"/>
-                <a:cs typeface="Gill Sans MT"/>
-              </a:rPr>
-              <a:t>plain </a:t>
-            </a:r>
-            <a:r>
-              <a:rPr sz="2400" spc="60" dirty="0">
-                <a:solidFill>
-                  <a:srgbClr val="FFFFFF"/>
-                </a:solidFill>
-                <a:latin typeface="Gill Sans MT"/>
-                <a:cs typeface="Gill Sans MT"/>
-              </a:rPr>
-              <a:t>i</a:t>
-            </a:r>
-            <a:r>
-              <a:rPr sz="2350" spc="60" dirty="0">
-                <a:solidFill>
-                  <a:srgbClr val="FFFFFF"/>
-                </a:solidFill>
-                <a:latin typeface="Calibri" panose="020F0502020204030204"/>
-                <a:cs typeface="Calibri" panose="020F0502020204030204"/>
-              </a:rPr>
-              <a:t>t</a:t>
-            </a:r>
-            <a:r>
-              <a:rPr sz="2350" spc="-155" dirty="0">
-                <a:solidFill>
-                  <a:srgbClr val="FFFFFF"/>
-                </a:solidFill>
-                <a:latin typeface="Calibri" panose="020F0502020204030204"/>
-                <a:cs typeface="Calibri" panose="020F0502020204030204"/>
-              </a:rPr>
-              <a:t> </a:t>
-            </a:r>
-            <a:r>
-              <a:rPr sz="2400" spc="160" dirty="0">
-                <a:solidFill>
-                  <a:srgbClr val="FFFFFF"/>
-                </a:solidFill>
-                <a:latin typeface="Gill Sans MT"/>
-                <a:cs typeface="Gill Sans MT"/>
-              </a:rPr>
-              <a:t>b</a:t>
-            </a:r>
-            <a:r>
-              <a:rPr sz="2350" spc="160" dirty="0">
-                <a:solidFill>
-                  <a:srgbClr val="FFFFFF"/>
-                </a:solidFill>
-                <a:latin typeface="Calibri" panose="020F0502020204030204"/>
-                <a:cs typeface="Calibri" panose="020F0502020204030204"/>
-              </a:rPr>
-              <a:t>r</a:t>
-            </a:r>
-            <a:r>
-              <a:rPr sz="2400" spc="160" dirty="0">
-                <a:solidFill>
-                  <a:srgbClr val="FFFFFF"/>
-                </a:solidFill>
-                <a:latin typeface="Gill Sans MT"/>
-                <a:cs typeface="Gill Sans MT"/>
-              </a:rPr>
-              <a:t>iefl</a:t>
-            </a:r>
-            <a:r>
-              <a:rPr sz="2350" spc="160" dirty="0">
-                <a:solidFill>
-                  <a:srgbClr val="FFFFFF"/>
-                </a:solidFill>
-                <a:latin typeface="Calibri" panose="020F0502020204030204"/>
-                <a:cs typeface="Calibri" panose="020F0502020204030204"/>
-              </a:rPr>
-              <a:t>y</a:t>
-            </a:r>
-            <a:r>
-              <a:rPr sz="2250" spc="160" dirty="0">
-                <a:solidFill>
-                  <a:srgbClr val="FFFFFF"/>
-                </a:solidFill>
-                <a:latin typeface="Arial Black" panose="020B0A04020102020204"/>
-                <a:cs typeface="Arial Black" panose="020B0A04020102020204"/>
-              </a:rPr>
-              <a:t>.</a:t>
             </a:r>
             <a:endParaRPr sz="2250">
               <a:latin typeface="Arial Black" panose="020B0A04020102020204"/>
